--- a/Projektiesitys.pptx
+++ b/Projektiesitys.pptx
@@ -23,6 +23,7 @@
     <p:sldId id="264" r:id="rId17"/>
     <p:sldId id="265" r:id="rId18"/>
     <p:sldId id="266" r:id="rId19"/>
+    <p:sldId id="276" r:id="rId20"/>
   </p:sldIdLst>
   <p:sldSz cx="12192000" cy="6858000"/>
   <p:notesSz cx="6858000" cy="9144000"/>
@@ -5071,6 +5072,149 @@
     <p:extLst>
       <p:ext uri="{BB962C8B-B14F-4D97-AF65-F5344CB8AC3E}">
         <p14:creationId xmlns:p14="http://schemas.microsoft.com/office/powerpoint/2010/main" val="1959182474"/>
+      </p:ext>
+    </p:extLst>
+  </p:cSld>
+  <p:clrMapOvr>
+    <a:masterClrMapping/>
+  </p:clrMapOvr>
+</p:sld>
+</file>
+
+<file path=ppt/slides/slide19.xml><?xml version="1.0" encoding="utf-8"?>
+<p:sld xmlns:a="http://schemas.openxmlformats.org/drawingml/2006/main" xmlns:r="http://schemas.openxmlformats.org/officeDocument/2006/relationships" xmlns:p="http://schemas.openxmlformats.org/presentationml/2006/main">
+  <p:cSld>
+    <p:spTree>
+      <p:nvGrpSpPr>
+        <p:cNvPr id="1" name=""/>
+        <p:cNvGrpSpPr/>
+        <p:nvPr/>
+      </p:nvGrpSpPr>
+      <p:grpSpPr>
+        <a:xfrm>
+          <a:off x="0" y="0"/>
+          <a:ext cx="0" cy="0"/>
+          <a:chOff x="0" y="0"/>
+          <a:chExt cx="0" cy="0"/>
+        </a:xfrm>
+      </p:grpSpPr>
+      <p:pic>
+        <p:nvPicPr>
+          <p:cNvPr id="4" name="Picture 45">
+            <a:extLst>
+              <a:ext uri="{FF2B5EF4-FFF2-40B4-BE49-F238E27FC236}">
+                <a16:creationId xmlns:a16="http://schemas.microsoft.com/office/drawing/2014/main" id="{BE145967-8A1F-79F6-80DE-6299D788CA77}"/>
+              </a:ext>
+            </a:extLst>
+          </p:cNvPr>
+          <p:cNvPicPr>
+            <a:picLocks noChangeAspect="1"/>
+          </p:cNvPicPr>
+          <p:nvPr/>
+        </p:nvPicPr>
+        <p:blipFill rotWithShape="1">
+          <a:blip r:embed="rId2">
+            <a:duotone>
+              <a:schemeClr val="accent1">
+                <a:shade val="45000"/>
+                <a:satMod val="135000"/>
+              </a:schemeClr>
+              <a:prstClr val="white"/>
+            </a:duotone>
+            <a:alphaModFix amt="35000"/>
+          </a:blip>
+          <a:srcRect t="21071" b="1074"/>
+          <a:stretch/>
+        </p:blipFill>
+        <p:spPr>
+          <a:xfrm>
+            <a:off x="0" y="11"/>
+            <a:ext cx="12191981" cy="6857989"/>
+          </a:xfrm>
+          <a:prstGeom prst="rect">
+            <a:avLst/>
+          </a:prstGeom>
+        </p:spPr>
+      </p:pic>
+      <p:sp>
+        <p:nvSpPr>
+          <p:cNvPr id="2" name="Otsikko 1">
+            <a:extLst>
+              <a:ext uri="{FF2B5EF4-FFF2-40B4-BE49-F238E27FC236}">
+                <a16:creationId xmlns:a16="http://schemas.microsoft.com/office/drawing/2014/main" id="{D4BB68A3-4609-FFB9-8068-20FF5D7884DE}"/>
+              </a:ext>
+            </a:extLst>
+          </p:cNvPr>
+          <p:cNvSpPr>
+            <a:spLocks noGrp="1"/>
+          </p:cNvSpPr>
+          <p:nvPr>
+            <p:ph type="title"/>
+          </p:nvPr>
+        </p:nvSpPr>
+        <p:spPr>
+          <a:xfrm>
+            <a:off x="628650" y="542925"/>
+            <a:ext cx="4603750" cy="3140075"/>
+          </a:xfrm>
+        </p:spPr>
+        <p:txBody>
+          <a:bodyPr>
+            <a:normAutofit/>
+          </a:bodyPr>
+          <a:lstStyle/>
+          <a:p>
+            <a:r>
+              <a:rPr lang="fi-FI" dirty="0"/>
+              <a:t>Versionhallinta</a:t>
+            </a:r>
+            <a:br>
+              <a:rPr lang="fi-FI" dirty="0"/>
+            </a:br>
+            <a:br>
+              <a:rPr lang="fi-FI" dirty="0"/>
+            </a:br>
+            <a:r>
+              <a:rPr lang="fi-FI" dirty="0"/>
+              <a:t>Aina ei onnistu…</a:t>
+            </a:r>
+            <a:endParaRPr lang="LID4096" dirty="0"/>
+          </a:p>
+        </p:txBody>
+      </p:sp>
+      <p:pic>
+        <p:nvPicPr>
+          <p:cNvPr id="6" name="Sisällön paikkamerkki 5">
+            <a:extLst>
+              <a:ext uri="{FF2B5EF4-FFF2-40B4-BE49-F238E27FC236}">
+                <a16:creationId xmlns:a16="http://schemas.microsoft.com/office/drawing/2014/main" id="{00B0278A-FCFA-BC80-2534-76692AA4C438}"/>
+              </a:ext>
+            </a:extLst>
+          </p:cNvPr>
+          <p:cNvPicPr>
+            <a:picLocks noGrp="1" noChangeAspect="1"/>
+          </p:cNvPicPr>
+          <p:nvPr>
+            <p:ph idx="1"/>
+          </p:nvPr>
+        </p:nvPicPr>
+        <p:blipFill>
+          <a:blip r:embed="rId3"/>
+          <a:stretch>
+            <a:fillRect/>
+          </a:stretch>
+        </p:blipFill>
+        <p:spPr>
+          <a:xfrm>
+            <a:off x="5410200" y="201599"/>
+            <a:ext cx="5124537" cy="6454801"/>
+          </a:xfrm>
+        </p:spPr>
+      </p:pic>
+    </p:spTree>
+    <p:extLst>
+      <p:ext uri="{BB962C8B-B14F-4D97-AF65-F5344CB8AC3E}">
+        <p14:creationId xmlns:p14="http://schemas.microsoft.com/office/powerpoint/2010/main" val="4170695649"/>
       </p:ext>
     </p:extLst>
   </p:cSld>
